--- a/GDG-Denver.pptx
+++ b/GDG-Denver.pptx
@@ -5,7 +5,7 @@
     <p:sldMasterId id="2147483648" r:id="rId1"/>
   </p:sldMasterIdLst>
   <p:notesMasterIdLst>
-    <p:notesMasterId r:id="rId21"/>
+    <p:notesMasterId r:id="rId23"/>
   </p:notesMasterIdLst>
   <p:sldIdLst>
     <p:sldId id="275" r:id="rId2"/>
@@ -26,7 +26,9 @@
     <p:sldId id="269" r:id="rId17"/>
     <p:sldId id="265" r:id="rId18"/>
     <p:sldId id="266" r:id="rId19"/>
-    <p:sldId id="274" r:id="rId20"/>
+    <p:sldId id="276" r:id="rId20"/>
+    <p:sldId id="277" r:id="rId21"/>
+    <p:sldId id="274" r:id="rId22"/>
   </p:sldIdLst>
   <p:sldSz cx="12192000" cy="6858000"/>
   <p:notesSz cx="6858000" cy="9144000"/>
@@ -218,7 +220,7 @@
           <a:p>
             <a:fld id="{B234A0A9-D2B9-4D21-8054-CE3E8EA3318B}" type="datetimeFigureOut">
               <a:rPr lang="en-US" smtClean="0"/>
-              <a:t>5/11/2019</a:t>
+              <a:t>8/15/2019</a:t>
             </a:fld>
             <a:endParaRPr lang="en-US"/>
           </a:p>
@@ -1316,7 +1318,7 @@
           <a:p>
             <a:fld id="{0BDAA80A-DCF6-416C-B4E9-4897677234EE}" type="datetimeFigureOut">
               <a:rPr lang="en-US" smtClean="0"/>
-              <a:t>5/11/2019</a:t>
+              <a:t>8/15/2019</a:t>
             </a:fld>
             <a:endParaRPr lang="en-US"/>
           </a:p>
@@ -1514,7 +1516,7 @@
           <a:p>
             <a:fld id="{0BDAA80A-DCF6-416C-B4E9-4897677234EE}" type="datetimeFigureOut">
               <a:rPr lang="en-US" smtClean="0"/>
-              <a:t>5/11/2019</a:t>
+              <a:t>8/15/2019</a:t>
             </a:fld>
             <a:endParaRPr lang="en-US"/>
           </a:p>
@@ -1722,7 +1724,7 @@
           <a:p>
             <a:fld id="{0BDAA80A-DCF6-416C-B4E9-4897677234EE}" type="datetimeFigureOut">
               <a:rPr lang="en-US" smtClean="0"/>
-              <a:t>5/11/2019</a:t>
+              <a:t>8/15/2019</a:t>
             </a:fld>
             <a:endParaRPr lang="en-US"/>
           </a:p>
@@ -1920,7 +1922,7 @@
           <a:p>
             <a:fld id="{0BDAA80A-DCF6-416C-B4E9-4897677234EE}" type="datetimeFigureOut">
               <a:rPr lang="en-US" smtClean="0"/>
-              <a:t>5/11/2019</a:t>
+              <a:t>8/15/2019</a:t>
             </a:fld>
             <a:endParaRPr lang="en-US"/>
           </a:p>
@@ -2195,7 +2197,7 @@
           <a:p>
             <a:fld id="{0BDAA80A-DCF6-416C-B4E9-4897677234EE}" type="datetimeFigureOut">
               <a:rPr lang="en-US" smtClean="0"/>
-              <a:t>5/11/2019</a:t>
+              <a:t>8/15/2019</a:t>
             </a:fld>
             <a:endParaRPr lang="en-US"/>
           </a:p>
@@ -2460,7 +2462,7 @@
           <a:p>
             <a:fld id="{0BDAA80A-DCF6-416C-B4E9-4897677234EE}" type="datetimeFigureOut">
               <a:rPr lang="en-US" smtClean="0"/>
-              <a:t>5/11/2019</a:t>
+              <a:t>8/15/2019</a:t>
             </a:fld>
             <a:endParaRPr lang="en-US"/>
           </a:p>
@@ -2872,7 +2874,7 @@
           <a:p>
             <a:fld id="{0BDAA80A-DCF6-416C-B4E9-4897677234EE}" type="datetimeFigureOut">
               <a:rPr lang="en-US" smtClean="0"/>
-              <a:t>5/11/2019</a:t>
+              <a:t>8/15/2019</a:t>
             </a:fld>
             <a:endParaRPr lang="en-US"/>
           </a:p>
@@ -3013,7 +3015,7 @@
           <a:p>
             <a:fld id="{0BDAA80A-DCF6-416C-B4E9-4897677234EE}" type="datetimeFigureOut">
               <a:rPr lang="en-US" smtClean="0"/>
-              <a:t>5/11/2019</a:t>
+              <a:t>8/15/2019</a:t>
             </a:fld>
             <a:endParaRPr lang="en-US"/>
           </a:p>
@@ -3126,7 +3128,7 @@
           <a:p>
             <a:fld id="{0BDAA80A-DCF6-416C-B4E9-4897677234EE}" type="datetimeFigureOut">
               <a:rPr lang="en-US" smtClean="0"/>
-              <a:t>5/11/2019</a:t>
+              <a:t>8/15/2019</a:t>
             </a:fld>
             <a:endParaRPr lang="en-US"/>
           </a:p>
@@ -3437,7 +3439,7 @@
           <a:p>
             <a:fld id="{0BDAA80A-DCF6-416C-B4E9-4897677234EE}" type="datetimeFigureOut">
               <a:rPr lang="en-US" smtClean="0"/>
-              <a:t>5/11/2019</a:t>
+              <a:t>8/15/2019</a:t>
             </a:fld>
             <a:endParaRPr lang="en-US"/>
           </a:p>
@@ -3725,7 +3727,7 @@
           <a:p>
             <a:fld id="{0BDAA80A-DCF6-416C-B4E9-4897677234EE}" type="datetimeFigureOut">
               <a:rPr lang="en-US" smtClean="0"/>
-              <a:t>5/11/2019</a:t>
+              <a:t>8/15/2019</a:t>
             </a:fld>
             <a:endParaRPr lang="en-US"/>
           </a:p>
@@ -3966,7 +3968,7 @@
           <a:p>
             <a:fld id="{0BDAA80A-DCF6-416C-B4E9-4897677234EE}" type="datetimeFigureOut">
               <a:rPr lang="en-US" smtClean="0"/>
-              <a:t>5/11/2019</a:t>
+              <a:t>8/15/2019</a:t>
             </a:fld>
             <a:endParaRPr lang="en-US"/>
           </a:p>
@@ -6289,7 +6291,7 @@
           <p:cNvPr id="2" name="Title 1">
             <a:extLst>
               <a:ext uri="{FF2B5EF4-FFF2-40B4-BE49-F238E27FC236}">
-                <a16:creationId xmlns:a16="http://schemas.microsoft.com/office/drawing/2014/main" id="{8E184895-4B3D-4D82-9AF9-B36996CDB0D5}"/>
+                <a16:creationId xmlns:a16="http://schemas.microsoft.com/office/drawing/2014/main" id="{AFABF86D-9AEE-4B7A-BDC6-909C11F6BB2F}"/>
               </a:ext>
             </a:extLst>
           </p:cNvPr>
@@ -6308,10 +6310,12 @@
             <a:r>
               <a:rPr lang="en-US" dirty="0">
                 <a:solidFill>
-                  <a:srgbClr val="1F4E79"/>
-                </a:solidFill>
-              </a:rPr>
-              <a:t>My Information</a:t>
+                  <a:schemeClr val="accent1">
+                    <a:lumMod val="75000"/>
+                  </a:schemeClr>
+                </a:solidFill>
+              </a:rPr>
+              <a:t>TF-Agents</a:t>
             </a:r>
           </a:p>
         </p:txBody>
@@ -6321,7 +6325,7 @@
           <p:cNvPr id="3" name="Content Placeholder 2">
             <a:extLst>
               <a:ext uri="{FF2B5EF4-FFF2-40B4-BE49-F238E27FC236}">
-                <a16:creationId xmlns:a16="http://schemas.microsoft.com/office/drawing/2014/main" id="{15C7FCC2-13FA-46CE-A8A6-BD77D14C2A8F}"/>
+                <a16:creationId xmlns:a16="http://schemas.microsoft.com/office/drawing/2014/main" id="{D26D43DE-ABEB-4FBA-817B-5C906EC47288}"/>
               </a:ext>
             </a:extLst>
           </p:cNvPr>
@@ -6340,53 +6344,102 @@
             <a:r>
               <a:rPr lang="en-US" dirty="0">
                 <a:solidFill>
-                  <a:srgbClr val="1F4E79"/>
-                </a:solidFill>
-              </a:rPr>
-              <a:t>Twitter: @</a:t>
+                  <a:schemeClr val="accent1">
+                    <a:lumMod val="75000"/>
+                  </a:schemeClr>
+                </a:solidFill>
+              </a:rPr>
+              <a:t>Currently in “pre-release”</a:t>
+            </a:r>
+          </a:p>
+          <a:p>
+            <a:r>
+              <a:rPr lang="en-US" dirty="0">
+                <a:solidFill>
+                  <a:schemeClr val="accent1">
+                    <a:lumMod val="75000"/>
+                  </a:schemeClr>
+                </a:solidFill>
+              </a:rPr>
+              <a:t>Hosted on </a:t>
             </a:r>
             <a:r>
               <a:rPr lang="en-US" dirty="0" err="1">
                 <a:solidFill>
-                  <a:srgbClr val="1F4E79"/>
-                </a:solidFill>
-              </a:rPr>
-              <a:t>TheNurl</a:t>
-            </a:r>
-            <a:endParaRPr lang="en-US" dirty="0">
-              <a:solidFill>
-                <a:srgbClr val="1F4E79"/>
-              </a:solidFill>
-            </a:endParaRPr>
-          </a:p>
-          <a:p>
-            <a:r>
-              <a:rPr lang="en-US" dirty="0">
-                <a:solidFill>
-                  <a:srgbClr val="1F4E79"/>
-                </a:solidFill>
-              </a:rPr>
-              <a:t>GitHub: https://github.com/ehennis</a:t>
-            </a:r>
-          </a:p>
-          <a:p>
-            <a:r>
-              <a:rPr lang="en-US" dirty="0">
-                <a:solidFill>
-                  <a:srgbClr val="1F4E79"/>
-                </a:solidFill>
-              </a:rPr>
-              <a:t>YouTube: Evan Hennis</a:t>
-            </a:r>
-          </a:p>
-          <a:p>
-            <a:r>
-              <a:rPr lang="en-US" dirty="0">
-                <a:solidFill>
-                  <a:srgbClr val="1F4E79"/>
-                </a:solidFill>
-              </a:rPr>
-              <a:t>Blog: https://eckronsoftware.wordpress.com</a:t>
+                  <a:schemeClr val="accent1">
+                    <a:lumMod val="75000"/>
+                  </a:schemeClr>
+                </a:solidFill>
+              </a:rPr>
+              <a:t>Github</a:t>
+            </a:r>
+            <a:r>
+              <a:rPr lang="en-US" dirty="0">
+                <a:solidFill>
+                  <a:schemeClr val="accent1">
+                    <a:lumMod val="75000"/>
+                  </a:schemeClr>
+                </a:solidFill>
+              </a:rPr>
+              <a:t> at </a:t>
+            </a:r>
+            <a:r>
+              <a:rPr lang="en-US" dirty="0" err="1">
+                <a:solidFill>
+                  <a:schemeClr val="accent1">
+                    <a:lumMod val="75000"/>
+                  </a:schemeClr>
+                </a:solidFill>
+              </a:rPr>
+              <a:t>tensorflow</a:t>
+            </a:r>
+            <a:r>
+              <a:rPr lang="en-US" dirty="0">
+                <a:solidFill>
+                  <a:schemeClr val="accent1">
+                    <a:lumMod val="75000"/>
+                  </a:schemeClr>
+                </a:solidFill>
+              </a:rPr>
+              <a:t>/agents</a:t>
+            </a:r>
+          </a:p>
+          <a:p>
+            <a:r>
+              <a:rPr lang="en-US" dirty="0">
+                <a:solidFill>
+                  <a:schemeClr val="accent1">
+                    <a:lumMod val="75000"/>
+                  </a:schemeClr>
+                </a:solidFill>
+              </a:rPr>
+              <a:t>2 Core Responsibilities</a:t>
+            </a:r>
+          </a:p>
+          <a:p>
+            <a:pPr lvl="1"/>
+            <a:r>
+              <a:rPr lang="en-US" dirty="0">
+                <a:solidFill>
+                  <a:schemeClr val="accent1">
+                    <a:lumMod val="75000"/>
+                  </a:schemeClr>
+                </a:solidFill>
+              </a:rPr>
+              <a:t>Defining a Policy</a:t>
+            </a:r>
+          </a:p>
+          <a:p>
+            <a:pPr lvl="1"/>
+            <a:r>
+              <a:rPr lang="en-US" dirty="0">
+                <a:solidFill>
+                  <a:schemeClr val="accent1">
+                    <a:lumMod val="75000"/>
+                  </a:schemeClr>
+                </a:solidFill>
+              </a:rPr>
+              <a:t>Learn/Train that Policy</a:t>
             </a:r>
           </a:p>
         </p:txBody>
@@ -6394,7 +6447,7 @@
     </p:spTree>
     <p:extLst>
       <p:ext uri="{BB962C8B-B14F-4D97-AF65-F5344CB8AC3E}">
-        <p14:creationId xmlns:p14="http://schemas.microsoft.com/office/powerpoint/2010/main" val="4150764362"/>
+        <p14:creationId xmlns:p14="http://schemas.microsoft.com/office/powerpoint/2010/main" val="278932898"/>
       </p:ext>
     </p:extLst>
   </p:cSld>
@@ -6623,6 +6676,399 @@
     <p:extLst>
       <p:ext uri="{BB962C8B-B14F-4D97-AF65-F5344CB8AC3E}">
         <p14:creationId xmlns:p14="http://schemas.microsoft.com/office/powerpoint/2010/main" val="2002129617"/>
+      </p:ext>
+    </p:extLst>
+  </p:cSld>
+  <p:clrMapOvr>
+    <a:masterClrMapping/>
+  </p:clrMapOvr>
+</p:sld>
+</file>
+
+<file path=ppt/slides/slide20.xml><?xml version="1.0" encoding="utf-8"?>
+<p:sld xmlns:a="http://schemas.openxmlformats.org/drawingml/2006/main" xmlns:r="http://schemas.openxmlformats.org/officeDocument/2006/relationships" xmlns:p="http://schemas.openxmlformats.org/presentationml/2006/main">
+  <p:cSld>
+    <p:spTree>
+      <p:nvGrpSpPr>
+        <p:cNvPr id="1" name=""/>
+        <p:cNvGrpSpPr/>
+        <p:nvPr/>
+      </p:nvGrpSpPr>
+      <p:grpSpPr>
+        <a:xfrm>
+          <a:off x="0" y="0"/>
+          <a:ext cx="0" cy="0"/>
+          <a:chOff x="0" y="0"/>
+          <a:chExt cx="0" cy="0"/>
+        </a:xfrm>
+      </p:grpSpPr>
+      <p:sp>
+        <p:nvSpPr>
+          <p:cNvPr id="2" name="Title 1">
+            <a:extLst>
+              <a:ext uri="{FF2B5EF4-FFF2-40B4-BE49-F238E27FC236}">
+                <a16:creationId xmlns:a16="http://schemas.microsoft.com/office/drawing/2014/main" id="{AFABF86D-9AEE-4B7A-BDC6-909C11F6BB2F}"/>
+              </a:ext>
+            </a:extLst>
+          </p:cNvPr>
+          <p:cNvSpPr>
+            <a:spLocks noGrp="1"/>
+          </p:cNvSpPr>
+          <p:nvPr>
+            <p:ph type="title"/>
+          </p:nvPr>
+        </p:nvSpPr>
+        <p:spPr/>
+        <p:txBody>
+          <a:bodyPr/>
+          <a:lstStyle/>
+          <a:p>
+            <a:r>
+              <a:rPr lang="en-US" dirty="0">
+                <a:solidFill>
+                  <a:schemeClr val="accent1">
+                    <a:lumMod val="75000"/>
+                  </a:schemeClr>
+                </a:solidFill>
+              </a:rPr>
+              <a:t>TF-Agents DQN</a:t>
+            </a:r>
+          </a:p>
+        </p:txBody>
+      </p:sp>
+      <p:sp>
+        <p:nvSpPr>
+          <p:cNvPr id="3" name="Content Placeholder 2">
+            <a:extLst>
+              <a:ext uri="{FF2B5EF4-FFF2-40B4-BE49-F238E27FC236}">
+                <a16:creationId xmlns:a16="http://schemas.microsoft.com/office/drawing/2014/main" id="{D26D43DE-ABEB-4FBA-817B-5C906EC47288}"/>
+              </a:ext>
+            </a:extLst>
+          </p:cNvPr>
+          <p:cNvSpPr>
+            <a:spLocks noGrp="1"/>
+          </p:cNvSpPr>
+          <p:nvPr>
+            <p:ph idx="1"/>
+          </p:nvPr>
+        </p:nvSpPr>
+        <p:spPr/>
+        <p:txBody>
+          <a:bodyPr/>
+          <a:lstStyle/>
+          <a:p>
+            <a:r>
+              <a:rPr lang="en-US" dirty="0">
+                <a:solidFill>
+                  <a:schemeClr val="accent1">
+                    <a:lumMod val="75000"/>
+                  </a:schemeClr>
+                </a:solidFill>
+              </a:rPr>
+              <a:t>Create Q Network from ‘</a:t>
+            </a:r>
+            <a:r>
+              <a:rPr lang="en-US" dirty="0" err="1">
+                <a:solidFill>
+                  <a:schemeClr val="accent1">
+                    <a:lumMod val="75000"/>
+                  </a:schemeClr>
+                </a:solidFill>
+              </a:rPr>
+              <a:t>tf_agents.networks</a:t>
+            </a:r>
+            <a:r>
+              <a:rPr lang="en-US" dirty="0">
+                <a:solidFill>
+                  <a:schemeClr val="accent1">
+                    <a:lumMod val="75000"/>
+                  </a:schemeClr>
+                </a:solidFill>
+              </a:rPr>
+              <a:t>’</a:t>
+            </a:r>
+          </a:p>
+          <a:p>
+            <a:pPr lvl="1"/>
+            <a:r>
+              <a:rPr lang="en-US" dirty="0">
+                <a:solidFill>
+                  <a:schemeClr val="accent1">
+                    <a:lumMod val="75000"/>
+                  </a:schemeClr>
+                </a:solidFill>
+              </a:rPr>
+              <a:t>Pass in Observation and Actions</a:t>
+            </a:r>
+          </a:p>
+          <a:p>
+            <a:r>
+              <a:rPr lang="en-US" dirty="0">
+                <a:solidFill>
+                  <a:schemeClr val="accent1">
+                    <a:lumMod val="75000"/>
+                  </a:schemeClr>
+                </a:solidFill>
+              </a:rPr>
+              <a:t>Create DQN Agent from ‘</a:t>
+            </a:r>
+            <a:r>
+              <a:rPr lang="en-US" dirty="0" err="1">
+                <a:solidFill>
+                  <a:schemeClr val="accent1">
+                    <a:lumMod val="75000"/>
+                  </a:schemeClr>
+                </a:solidFill>
+              </a:rPr>
+              <a:t>tf_agents.agents.dqn</a:t>
+            </a:r>
+            <a:r>
+              <a:rPr lang="en-US" dirty="0">
+                <a:solidFill>
+                  <a:schemeClr val="accent1">
+                    <a:lumMod val="75000"/>
+                  </a:schemeClr>
+                </a:solidFill>
+              </a:rPr>
+              <a:t>’</a:t>
+            </a:r>
+          </a:p>
+          <a:p>
+            <a:pPr lvl="1"/>
+            <a:r>
+              <a:rPr lang="en-US" dirty="0">
+                <a:solidFill>
+                  <a:schemeClr val="accent1">
+                    <a:lumMod val="75000"/>
+                  </a:schemeClr>
+                </a:solidFill>
+              </a:rPr>
+              <a:t>Pass in Q Network</a:t>
+            </a:r>
+          </a:p>
+          <a:p>
+            <a:r>
+              <a:rPr lang="en-US" dirty="0">
+                <a:solidFill>
+                  <a:schemeClr val="accent1">
+                    <a:lumMod val="75000"/>
+                  </a:schemeClr>
+                </a:solidFill>
+              </a:rPr>
+              <a:t>Create Eval Policy and Data Collection Policy</a:t>
+            </a:r>
+          </a:p>
+          <a:p>
+            <a:r>
+              <a:rPr lang="en-US" dirty="0">
+                <a:solidFill>
+                  <a:schemeClr val="accent1">
+                    <a:lumMod val="75000"/>
+                  </a:schemeClr>
+                </a:solidFill>
+              </a:rPr>
+              <a:t>Create Replay Buffer from ‘</a:t>
+            </a:r>
+            <a:r>
+              <a:rPr lang="en-US" dirty="0" err="1">
+                <a:solidFill>
+                  <a:schemeClr val="accent1">
+                    <a:lumMod val="75000"/>
+                  </a:schemeClr>
+                </a:solidFill>
+              </a:rPr>
+              <a:t>tf_agents.replay_buffers</a:t>
+            </a:r>
+            <a:r>
+              <a:rPr lang="en-US" dirty="0">
+                <a:solidFill>
+                  <a:schemeClr val="accent1">
+                    <a:lumMod val="75000"/>
+                  </a:schemeClr>
+                </a:solidFill>
+              </a:rPr>
+              <a:t>’</a:t>
+            </a:r>
+          </a:p>
+          <a:p>
+            <a:r>
+              <a:rPr lang="en-US" dirty="0">
+                <a:solidFill>
+                  <a:schemeClr val="accent1">
+                    <a:lumMod val="75000"/>
+                  </a:schemeClr>
+                </a:solidFill>
+              </a:rPr>
+              <a:t>DQN Example: </a:t>
+            </a:r>
+            <a:r>
+              <a:rPr lang="en-US" dirty="0">
+                <a:solidFill>
+                  <a:schemeClr val="accent1">
+                    <a:lumMod val="75000"/>
+                  </a:schemeClr>
+                </a:solidFill>
+                <a:hlinkClick r:id="rId2">
+                  <a:extLst>
+                    <a:ext uri="{A12FA001-AC4F-418D-AE19-62706E023703}">
+                      <ahyp:hlinkClr xmlns:ahyp="http://schemas.microsoft.com/office/drawing/2018/hyperlinkcolor" val="tx"/>
+                    </a:ext>
+                  </a:extLst>
+                </a:hlinkClick>
+              </a:rPr>
+              <a:t>https://colab.research.google.com/github/tensorflow/agents/blob/master/tf_agents/colabs/1_dqn_tutorial.ipynb</a:t>
+            </a:r>
+            <a:endParaRPr lang="en-US" dirty="0">
+              <a:solidFill>
+                <a:schemeClr val="accent1">
+                  <a:lumMod val="75000"/>
+                </a:schemeClr>
+              </a:solidFill>
+            </a:endParaRPr>
+          </a:p>
+        </p:txBody>
+      </p:sp>
+    </p:spTree>
+    <p:extLst>
+      <p:ext uri="{BB962C8B-B14F-4D97-AF65-F5344CB8AC3E}">
+        <p14:creationId xmlns:p14="http://schemas.microsoft.com/office/powerpoint/2010/main" val="3107159122"/>
+      </p:ext>
+    </p:extLst>
+  </p:cSld>
+  <p:clrMapOvr>
+    <a:masterClrMapping/>
+  </p:clrMapOvr>
+</p:sld>
+</file>
+
+<file path=ppt/slides/slide21.xml><?xml version="1.0" encoding="utf-8"?>
+<p:sld xmlns:a="http://schemas.openxmlformats.org/drawingml/2006/main" xmlns:r="http://schemas.openxmlformats.org/officeDocument/2006/relationships" xmlns:p="http://schemas.openxmlformats.org/presentationml/2006/main">
+  <p:cSld>
+    <p:spTree>
+      <p:nvGrpSpPr>
+        <p:cNvPr id="1" name=""/>
+        <p:cNvGrpSpPr/>
+        <p:nvPr/>
+      </p:nvGrpSpPr>
+      <p:grpSpPr>
+        <a:xfrm>
+          <a:off x="0" y="0"/>
+          <a:ext cx="0" cy="0"/>
+          <a:chOff x="0" y="0"/>
+          <a:chExt cx="0" cy="0"/>
+        </a:xfrm>
+      </p:grpSpPr>
+      <p:sp>
+        <p:nvSpPr>
+          <p:cNvPr id="2" name="Title 1">
+            <a:extLst>
+              <a:ext uri="{FF2B5EF4-FFF2-40B4-BE49-F238E27FC236}">
+                <a16:creationId xmlns:a16="http://schemas.microsoft.com/office/drawing/2014/main" id="{8E184895-4B3D-4D82-9AF9-B36996CDB0D5}"/>
+              </a:ext>
+            </a:extLst>
+          </p:cNvPr>
+          <p:cNvSpPr>
+            <a:spLocks noGrp="1"/>
+          </p:cNvSpPr>
+          <p:nvPr>
+            <p:ph type="title"/>
+          </p:nvPr>
+        </p:nvSpPr>
+        <p:spPr/>
+        <p:txBody>
+          <a:bodyPr/>
+          <a:lstStyle/>
+          <a:p>
+            <a:r>
+              <a:rPr lang="en-US" dirty="0">
+                <a:solidFill>
+                  <a:srgbClr val="1F4E79"/>
+                </a:solidFill>
+              </a:rPr>
+              <a:t>My Information</a:t>
+            </a:r>
+          </a:p>
+        </p:txBody>
+      </p:sp>
+      <p:sp>
+        <p:nvSpPr>
+          <p:cNvPr id="3" name="Content Placeholder 2">
+            <a:extLst>
+              <a:ext uri="{FF2B5EF4-FFF2-40B4-BE49-F238E27FC236}">
+                <a16:creationId xmlns:a16="http://schemas.microsoft.com/office/drawing/2014/main" id="{15C7FCC2-13FA-46CE-A8A6-BD77D14C2A8F}"/>
+              </a:ext>
+            </a:extLst>
+          </p:cNvPr>
+          <p:cNvSpPr>
+            <a:spLocks noGrp="1"/>
+          </p:cNvSpPr>
+          <p:nvPr>
+            <p:ph idx="1"/>
+          </p:nvPr>
+        </p:nvSpPr>
+        <p:spPr/>
+        <p:txBody>
+          <a:bodyPr/>
+          <a:lstStyle/>
+          <a:p>
+            <a:r>
+              <a:rPr lang="en-US" dirty="0">
+                <a:solidFill>
+                  <a:srgbClr val="1F4E79"/>
+                </a:solidFill>
+              </a:rPr>
+              <a:t>Twitter: @</a:t>
+            </a:r>
+            <a:r>
+              <a:rPr lang="en-US" dirty="0" err="1">
+                <a:solidFill>
+                  <a:srgbClr val="1F4E79"/>
+                </a:solidFill>
+              </a:rPr>
+              <a:t>TheNurl</a:t>
+            </a:r>
+            <a:endParaRPr lang="en-US" dirty="0">
+              <a:solidFill>
+                <a:srgbClr val="1F4E79"/>
+              </a:solidFill>
+            </a:endParaRPr>
+          </a:p>
+          <a:p>
+            <a:r>
+              <a:rPr lang="en-US" dirty="0">
+                <a:solidFill>
+                  <a:srgbClr val="1F4E79"/>
+                </a:solidFill>
+              </a:rPr>
+              <a:t>GitHub: https://github.com/ehennis</a:t>
+            </a:r>
+          </a:p>
+          <a:p>
+            <a:r>
+              <a:rPr lang="en-US" dirty="0">
+                <a:solidFill>
+                  <a:srgbClr val="1F4E79"/>
+                </a:solidFill>
+              </a:rPr>
+              <a:t>YouTube: Evan Hennis</a:t>
+            </a:r>
+          </a:p>
+          <a:p>
+            <a:r>
+              <a:rPr lang="en-US" dirty="0">
+                <a:solidFill>
+                  <a:srgbClr val="1F4E79"/>
+                </a:solidFill>
+              </a:rPr>
+              <a:t>Blog: https://eckronsoftware.wordpress.com</a:t>
+            </a:r>
+          </a:p>
+        </p:txBody>
+      </p:sp>
+    </p:spTree>
+    <p:extLst>
+      <p:ext uri="{BB962C8B-B14F-4D97-AF65-F5344CB8AC3E}">
+        <p14:creationId xmlns:p14="http://schemas.microsoft.com/office/powerpoint/2010/main" val="4150764362"/>
       </p:ext>
     </p:extLst>
   </p:cSld>

--- a/GDG-Denver.pptx
+++ b/GDG-Denver.pptx
@@ -4400,7 +4400,7 @@
         <p:spPr>
           <a:xfrm>
             <a:off x="840259" y="667265"/>
-            <a:ext cx="9502346" cy="1200329"/>
+            <a:ext cx="9502346" cy="923330"/>
           </a:xfrm>
           <a:prstGeom prst="rect">
             <a:avLst/>
@@ -4420,16 +4420,6 @@
                 </a:solidFill>
               </a:rPr>
               <a:t>TODO:</a:t>
-            </a:r>
-          </a:p>
-          <a:p>
-            <a:r>
-              <a:rPr lang="en-US" dirty="0">
-                <a:solidFill>
-                  <a:srgbClr val="1F4E79"/>
-                </a:solidFill>
-              </a:rPr>
-              <a:t>Add RL-Agent Stuff</a:t>
             </a:r>
           </a:p>
           <a:p>
